--- a/발표문서/2차발표/중간발표.pptx
+++ b/발표문서/2차발표/중간발표.pptx
@@ -286,7 +286,7 @@
           <a:p>
             <a:fld id="{22DC2647-C259-4EB5-84B8-93A3F8E54DE7}" type="datetimeFigureOut">
               <a:rPr lang="ko-KR" altLang="en-US" smtClean="0"/>
-              <a:t>2018-11-05</a:t>
+              <a:t>2018-12-02</a:t>
             </a:fld>
             <a:endParaRPr lang="ko-KR" altLang="en-US"/>
           </a:p>
@@ -385,7 +385,7 @@
           <a:p>
             <a:fld id="{B440BA11-FEDB-4E64-B4BE-9FDEE8123FE3}" type="datetimeFigureOut">
               <a:rPr lang="ko-KR" altLang="en-US" smtClean="0"/>
-              <a:t>2018-11-05</a:t>
+              <a:t>2018-12-02</a:t>
             </a:fld>
             <a:endParaRPr lang="ko-KR" altLang="en-US"/>
           </a:p>
@@ -783,7 +783,7 @@
           <a:p>
             <a:fld id="{8771C398-EBCC-4210-8AFD-1D056CED0821}" type="datetimeFigureOut">
               <a:rPr lang="ko-KR" altLang="en-US" smtClean="0"/>
-              <a:t>2018-11-05</a:t>
+              <a:t>2018-12-02</a:t>
             </a:fld>
             <a:endParaRPr lang="ko-KR" altLang="en-US"/>
           </a:p>
@@ -953,7 +953,7 @@
           <a:p>
             <a:fld id="{8771C398-EBCC-4210-8AFD-1D056CED0821}" type="datetimeFigureOut">
               <a:rPr lang="ko-KR" altLang="en-US" smtClean="0"/>
-              <a:t>2018-11-05</a:t>
+              <a:t>2018-12-02</a:t>
             </a:fld>
             <a:endParaRPr lang="ko-KR" altLang="en-US"/>
           </a:p>
@@ -1133,7 +1133,7 @@
           <a:p>
             <a:fld id="{8771C398-EBCC-4210-8AFD-1D056CED0821}" type="datetimeFigureOut">
               <a:rPr lang="ko-KR" altLang="en-US" smtClean="0"/>
-              <a:t>2018-11-05</a:t>
+              <a:t>2018-12-02</a:t>
             </a:fld>
             <a:endParaRPr lang="ko-KR" altLang="en-US"/>
           </a:p>
@@ -1303,7 +1303,7 @@
           <a:p>
             <a:fld id="{8771C398-EBCC-4210-8AFD-1D056CED0821}" type="datetimeFigureOut">
               <a:rPr lang="ko-KR" altLang="en-US" smtClean="0"/>
-              <a:t>2018-11-05</a:t>
+              <a:t>2018-12-02</a:t>
             </a:fld>
             <a:endParaRPr lang="ko-KR" altLang="en-US"/>
           </a:p>
@@ -1549,7 +1549,7 @@
           <a:p>
             <a:fld id="{8771C398-EBCC-4210-8AFD-1D056CED0821}" type="datetimeFigureOut">
               <a:rPr lang="ko-KR" altLang="en-US" smtClean="0"/>
-              <a:t>2018-11-05</a:t>
+              <a:t>2018-12-02</a:t>
             </a:fld>
             <a:endParaRPr lang="ko-KR" altLang="en-US"/>
           </a:p>
@@ -1781,7 +1781,7 @@
           <a:p>
             <a:fld id="{8771C398-EBCC-4210-8AFD-1D056CED0821}" type="datetimeFigureOut">
               <a:rPr lang="ko-KR" altLang="en-US" smtClean="0"/>
-              <a:t>2018-11-05</a:t>
+              <a:t>2018-12-02</a:t>
             </a:fld>
             <a:endParaRPr lang="ko-KR" altLang="en-US"/>
           </a:p>
@@ -2148,7 +2148,7 @@
           <a:p>
             <a:fld id="{8771C398-EBCC-4210-8AFD-1D056CED0821}" type="datetimeFigureOut">
               <a:rPr lang="ko-KR" altLang="en-US" smtClean="0"/>
-              <a:t>2018-11-05</a:t>
+              <a:t>2018-12-02</a:t>
             </a:fld>
             <a:endParaRPr lang="ko-KR" altLang="en-US"/>
           </a:p>
@@ -2266,7 +2266,7 @@
           <a:p>
             <a:fld id="{8771C398-EBCC-4210-8AFD-1D056CED0821}" type="datetimeFigureOut">
               <a:rPr lang="ko-KR" altLang="en-US" smtClean="0"/>
-              <a:t>2018-11-05</a:t>
+              <a:t>2018-12-02</a:t>
             </a:fld>
             <a:endParaRPr lang="ko-KR" altLang="en-US"/>
           </a:p>
@@ -2361,7 +2361,7 @@
           <a:p>
             <a:fld id="{8771C398-EBCC-4210-8AFD-1D056CED0821}" type="datetimeFigureOut">
               <a:rPr lang="ko-KR" altLang="en-US" smtClean="0"/>
-              <a:t>2018-11-05</a:t>
+              <a:t>2018-12-02</a:t>
             </a:fld>
             <a:endParaRPr lang="ko-KR" altLang="en-US"/>
           </a:p>
@@ -2638,7 +2638,7 @@
           <a:p>
             <a:fld id="{8771C398-EBCC-4210-8AFD-1D056CED0821}" type="datetimeFigureOut">
               <a:rPr lang="ko-KR" altLang="en-US" smtClean="0"/>
-              <a:t>2018-11-05</a:t>
+              <a:t>2018-12-02</a:t>
             </a:fld>
             <a:endParaRPr lang="ko-KR" altLang="en-US"/>
           </a:p>
@@ -2895,7 +2895,7 @@
           <a:p>
             <a:fld id="{8771C398-EBCC-4210-8AFD-1D056CED0821}" type="datetimeFigureOut">
               <a:rPr lang="ko-KR" altLang="en-US" smtClean="0"/>
-              <a:t>2018-11-05</a:t>
+              <a:t>2018-12-02</a:t>
             </a:fld>
             <a:endParaRPr lang="ko-KR" altLang="en-US"/>
           </a:p>
@@ -3111,7 +3111,7 @@
           <a:p>
             <a:fld id="{8771C398-EBCC-4210-8AFD-1D056CED0821}" type="datetimeFigureOut">
               <a:rPr lang="ko-KR" altLang="en-US" smtClean="0"/>
-              <a:t>2018-11-05</a:t>
+              <a:t>2018-12-02</a:t>
             </a:fld>
             <a:endParaRPr lang="ko-KR" altLang="en-US"/>
           </a:p>
@@ -3899,7 +3899,7 @@
                 <a16:creationId xmlns:a16="http://schemas.microsoft.com/office/drawing/2014/main" id="{EE09A529-E47C-4634-BB98-0A9526C372B4}"/>
               </a:ext>
               <a:ext uri="{C183D7F6-B498-43B3-948B-1728B52AA6E4}">
-                <adec:decorative xmlns:adec="http://schemas.microsoft.com/office/drawing/2017/decorative" val="1"/>
+                <adec:decorative xmlns:adec="http://schemas.microsoft.com/office/drawing/2017/decorative" xmlns="" val="1"/>
               </a:ext>
             </a:extLst>
           </p:cNvPr>
@@ -3944,7 +3944,7 @@
                 <a16:creationId xmlns:a16="http://schemas.microsoft.com/office/drawing/2014/main" id="{569C1A01-6FB5-43CE-ADCC-936728ACAC0D}"/>
               </a:ext>
               <a:ext uri="{C183D7F6-B498-43B3-948B-1728B52AA6E4}">
-                <adec:decorative xmlns:adec="http://schemas.microsoft.com/office/drawing/2017/decorative" val="1"/>
+                <adec:decorative xmlns:adec="http://schemas.microsoft.com/office/drawing/2017/decorative" xmlns="" val="1"/>
               </a:ext>
             </a:extLst>
           </p:cNvPr>
